--- a/materials/session_11/T/ML-Session11-T.pptx
+++ b/materials/session_11/T/ML-Session11-T.pptx
@@ -143,7 +143,7 @@
 <file path=ppt/revisionInfo.xml><?xml version="1.0" encoding="utf-8"?>
 <p1510:revInfo xmlns:a="http://schemas.openxmlformats.org/drawingml/2006/main" xmlns:r="http://schemas.openxmlformats.org/officeDocument/2006/relationships" xmlns:p1510="http://schemas.microsoft.com/office/powerpoint/2015/10/main">
   <p1510:revLst>
-    <p1510:client id="{1E414856-9B90-7749-0383-36ED7C0AFAD5}" v="2164" dt="2024-03-12T15:16:11.818"/>
+    <p1510:client id="{0971370E-34EE-44EB-3FEB-A4F76BB8D28D}" v="57" dt="2024-03-14T15:22:58.730"/>
     <p1510:client id="{2980D047-40BC-42EC-21CB-F5A2274C7FD6}" v="34" dt="2024-03-12T16:45:18.950"/>
     <p1510:client id="{5A418559-2880-36D1-864D-1A5A203929F6}" v="2565" dt="2024-03-12T17:08:47.502"/>
     <p1510:client id="{E2700DF4-D132-31A3-BDD0-91964645D6F8}" v="214" dt="2024-03-13T17:18:29.938"/>
@@ -280,7 +280,7 @@
           <a:p>
             <a:fld id="{E431C0BB-DC71-4713-A787-95011EDB8CA8}" type="datetimeFigureOut">
               <a:rPr lang="pt-PT" smtClean="0"/>
-              <a:t>13/03/2024</a:t>
+              <a:t>14/03/2024</a:t>
             </a:fld>
             <a:endParaRPr lang="pt-PT"/>
           </a:p>
@@ -448,7 +448,7 @@
           <a:p>
             <a:fld id="{E431C0BB-DC71-4713-A787-95011EDB8CA8}" type="datetimeFigureOut">
               <a:rPr lang="pt-PT" smtClean="0"/>
-              <a:t>13/03/2024</a:t>
+              <a:t>14/03/2024</a:t>
             </a:fld>
             <a:endParaRPr lang="pt-PT"/>
           </a:p>
@@ -626,7 +626,7 @@
           <a:p>
             <a:fld id="{E431C0BB-DC71-4713-A787-95011EDB8CA8}" type="datetimeFigureOut">
               <a:rPr lang="pt-PT" smtClean="0"/>
-              <a:t>13/03/2024</a:t>
+              <a:t>14/03/2024</a:t>
             </a:fld>
             <a:endParaRPr lang="pt-PT"/>
           </a:p>
@@ -794,7 +794,7 @@
           <a:p>
             <a:fld id="{E431C0BB-DC71-4713-A787-95011EDB8CA8}" type="datetimeFigureOut">
               <a:rPr lang="pt-PT" smtClean="0"/>
-              <a:t>13/03/2024</a:t>
+              <a:t>14/03/2024</a:t>
             </a:fld>
             <a:endParaRPr lang="pt-PT"/>
           </a:p>
@@ -1039,7 +1039,7 @@
           <a:p>
             <a:fld id="{E431C0BB-DC71-4713-A787-95011EDB8CA8}" type="datetimeFigureOut">
               <a:rPr lang="pt-PT" smtClean="0"/>
-              <a:t>13/03/2024</a:t>
+              <a:t>14/03/2024</a:t>
             </a:fld>
             <a:endParaRPr lang="pt-PT"/>
           </a:p>
@@ -1268,7 +1268,7 @@
           <a:p>
             <a:fld id="{E431C0BB-DC71-4713-A787-95011EDB8CA8}" type="datetimeFigureOut">
               <a:rPr lang="pt-PT" smtClean="0"/>
-              <a:t>13/03/2024</a:t>
+              <a:t>14/03/2024</a:t>
             </a:fld>
             <a:endParaRPr lang="pt-PT"/>
           </a:p>
@@ -1632,7 +1632,7 @@
           <a:p>
             <a:fld id="{E431C0BB-DC71-4713-A787-95011EDB8CA8}" type="datetimeFigureOut">
               <a:rPr lang="pt-PT" smtClean="0"/>
-              <a:t>13/03/2024</a:t>
+              <a:t>14/03/2024</a:t>
             </a:fld>
             <a:endParaRPr lang="pt-PT"/>
           </a:p>
@@ -1749,7 +1749,7 @@
           <a:p>
             <a:fld id="{E431C0BB-DC71-4713-A787-95011EDB8CA8}" type="datetimeFigureOut">
               <a:rPr lang="pt-PT" smtClean="0"/>
-              <a:t>13/03/2024</a:t>
+              <a:t>14/03/2024</a:t>
             </a:fld>
             <a:endParaRPr lang="pt-PT"/>
           </a:p>
@@ -1844,7 +1844,7 @@
           <a:p>
             <a:fld id="{E431C0BB-DC71-4713-A787-95011EDB8CA8}" type="datetimeFigureOut">
               <a:rPr lang="pt-PT" smtClean="0"/>
-              <a:t>13/03/2024</a:t>
+              <a:t>14/03/2024</a:t>
             </a:fld>
             <a:endParaRPr lang="pt-PT"/>
           </a:p>
@@ -2119,7 +2119,7 @@
           <a:p>
             <a:fld id="{E431C0BB-DC71-4713-A787-95011EDB8CA8}" type="datetimeFigureOut">
               <a:rPr lang="pt-PT" smtClean="0"/>
-              <a:t>13/03/2024</a:t>
+              <a:t>14/03/2024</a:t>
             </a:fld>
             <a:endParaRPr lang="pt-PT"/>
           </a:p>
@@ -2371,7 +2371,7 @@
           <a:p>
             <a:fld id="{E431C0BB-DC71-4713-A787-95011EDB8CA8}" type="datetimeFigureOut">
               <a:rPr lang="pt-PT" smtClean="0"/>
-              <a:t>13/03/2024</a:t>
+              <a:t>14/03/2024</a:t>
             </a:fld>
             <a:endParaRPr lang="pt-PT"/>
           </a:p>
@@ -2582,7 +2582,7 @@
           <a:p>
             <a:fld id="{E431C0BB-DC71-4713-A787-95011EDB8CA8}" type="datetimeFigureOut">
               <a:rPr lang="pt-PT" smtClean="0"/>
-              <a:t>13/03/2024</a:t>
+              <a:t>14/03/2024</a:t>
             </a:fld>
             <a:endParaRPr lang="pt-PT"/>
           </a:p>
@@ -4490,7 +4490,7 @@
         </p:blipFill>
         <p:spPr>
           <a:xfrm>
-            <a:off x="6954835" y="5214904"/>
+            <a:off x="6954835" y="5110129"/>
             <a:ext cx="1514475" cy="276225"/>
           </a:xfrm>
           <a:prstGeom prst="rect">
@@ -4500,10 +4500,10 @@
       </p:pic>
       <p:pic>
         <p:nvPicPr>
-          <p:cNvPr id="8" name="Imagem 7" descr="Uma imagem com preto, escuridão&#10;&#10;Descrição gerada automaticamente">
+          <p:cNvPr id="9" name="Imagem 8" descr="Uma imagem com preto, escuridão&#10;&#10;Descrição gerada automaticamente">
             <a:extLst>
               <a:ext uri="{FF2B5EF4-FFF2-40B4-BE49-F238E27FC236}">
-                <a16:creationId xmlns:a16="http://schemas.microsoft.com/office/drawing/2014/main" id="{94593D34-2209-59E8-6D7E-445B6EECCC5E}"/>
+                <a16:creationId xmlns:a16="http://schemas.microsoft.com/office/drawing/2014/main" id="{31DB9CC0-AF75-A11F-F999-5355597BF95C}"/>
               </a:ext>
             </a:extLst>
           </p:cNvPr>
@@ -4514,13 +4514,13 @@
         </p:nvPicPr>
         <p:blipFill rotWithShape="1">
           <a:blip r:embed="rId5"/>
-          <a:srcRect t="-939" r="10307" b="-9678"/>
+          <a:srcRect r="8906" b="-5556"/>
           <a:stretch/>
         </p:blipFill>
         <p:spPr>
           <a:xfrm>
-            <a:off x="3997157" y="4404448"/>
-            <a:ext cx="5467686" cy="450797"/>
+            <a:off x="3848100" y="4506141"/>
+            <a:ext cx="5553079" cy="367694"/>
           </a:xfrm>
           <a:prstGeom prst="rect">
             <a:avLst/>
@@ -17940,10 +17940,10 @@
       </p:pic>
       <p:pic>
         <p:nvPicPr>
-          <p:cNvPr id="8" name="Imagem 7" descr="Uma imagem com preto, escuridão&#10;&#10;Descrição gerada automaticamente">
+          <p:cNvPr id="10" name="Imagem 9" descr="Uma imagem com preto, escuridão&#10;&#10;Descrição gerada automaticamente">
             <a:extLst>
               <a:ext uri="{FF2B5EF4-FFF2-40B4-BE49-F238E27FC236}">
-                <a16:creationId xmlns:a16="http://schemas.microsoft.com/office/drawing/2014/main" id="{ACAAAE14-477A-93BD-10C6-9CD77022C09A}"/>
+                <a16:creationId xmlns:a16="http://schemas.microsoft.com/office/drawing/2014/main" id="{C5520403-4A33-9892-3B1D-F11B29100834}"/>
               </a:ext>
             </a:extLst>
           </p:cNvPr>
@@ -17960,8 +17960,8 @@
         </p:blipFill>
         <p:spPr>
           <a:xfrm>
-            <a:off x="6149473" y="3071497"/>
-            <a:ext cx="5374106" cy="367427"/>
+            <a:off x="542340" y="5525836"/>
+            <a:ext cx="1669215" cy="298116"/>
           </a:xfrm>
           <a:prstGeom prst="rect">
             <a:avLst/>
@@ -17970,10 +17970,10 @@
       </p:pic>
       <p:pic>
         <p:nvPicPr>
-          <p:cNvPr id="10" name="Imagem 9" descr="Uma imagem com preto, escuridão&#10;&#10;Descrição gerada automaticamente">
+          <p:cNvPr id="12" name="Imagem 11" descr="Uma imagem com preto, escuridão&#10;&#10;Descrição gerada automaticamente">
             <a:extLst>
               <a:ext uri="{FF2B5EF4-FFF2-40B4-BE49-F238E27FC236}">
-                <a16:creationId xmlns:a16="http://schemas.microsoft.com/office/drawing/2014/main" id="{C5520403-4A33-9892-3B1D-F11B29100834}"/>
+                <a16:creationId xmlns:a16="http://schemas.microsoft.com/office/drawing/2014/main" id="{7731EB55-76B2-345B-6C0A-7AB770D142B7}"/>
               </a:ext>
             </a:extLst>
           </p:cNvPr>
@@ -17990,8 +17990,8 @@
         </p:blipFill>
         <p:spPr>
           <a:xfrm>
-            <a:off x="542340" y="5525836"/>
-            <a:ext cx="1669215" cy="298116"/>
+            <a:off x="6162932" y="3043477"/>
+            <a:ext cx="5476875" cy="310243"/>
           </a:xfrm>
           <a:prstGeom prst="rect">
             <a:avLst/>
@@ -21585,8 +21585,8 @@
         </p:nvCxnSpPr>
         <p:spPr>
           <a:xfrm flipH="1">
-            <a:off x="3902073" y="3074566"/>
-            <a:ext cx="2788652" cy="513348"/>
+            <a:off x="3606798" y="3074566"/>
+            <a:ext cx="3083927" cy="513348"/>
           </a:xfrm>
           <a:prstGeom prst="straightConnector1">
             <a:avLst/>
@@ -21626,8 +21626,8 @@
         </p:nvCxnSpPr>
         <p:spPr>
           <a:xfrm>
-            <a:off x="6677359" y="3087935"/>
-            <a:ext cx="192504" cy="526716"/>
+            <a:off x="6677359" y="3106985"/>
+            <a:ext cx="525879" cy="593391"/>
           </a:xfrm>
           <a:prstGeom prst="straightConnector1">
             <a:avLst/>
@@ -21749,8 +21749,8 @@
         </p:nvCxnSpPr>
         <p:spPr>
           <a:xfrm flipV="1">
-            <a:off x="5233568" y="4109284"/>
-            <a:ext cx="1195137" cy="649704"/>
+            <a:off x="5233568" y="4137859"/>
+            <a:ext cx="1423737" cy="630654"/>
           </a:xfrm>
           <a:prstGeom prst="straightConnector1">
             <a:avLst/>
@@ -21805,10 +21805,10 @@
       </p:pic>
       <p:pic>
         <p:nvPicPr>
-          <p:cNvPr id="17" name="Imagem 16" descr="Uma imagem com preto, escuridão&#10;&#10;Descrição gerada automaticamente">
+          <p:cNvPr id="10" name="Imagem 9" descr="Uma imagem com preto, escuridão&#10;&#10;Descrição gerada automaticamente">
             <a:extLst>
               <a:ext uri="{FF2B5EF4-FFF2-40B4-BE49-F238E27FC236}">
-                <a16:creationId xmlns:a16="http://schemas.microsoft.com/office/drawing/2014/main" id="{D364BFD2-A1C0-2A27-BF64-1F79B359EAC2}"/>
+                <a16:creationId xmlns:a16="http://schemas.microsoft.com/office/drawing/2014/main" id="{FB597D7E-6B64-1303-3072-554C6D7CC9D9}"/>
               </a:ext>
             </a:extLst>
           </p:cNvPr>
@@ -21825,8 +21825,8 @@
         </p:blipFill>
         <p:spPr>
           <a:xfrm>
-            <a:off x="1056105" y="3632970"/>
-            <a:ext cx="6911473" cy="461005"/>
+            <a:off x="1133990" y="3636858"/>
+            <a:ext cx="7134225" cy="434068"/>
           </a:xfrm>
           <a:prstGeom prst="rect">
             <a:avLst/>
@@ -23030,8 +23030,8 @@
         </p:nvCxnSpPr>
         <p:spPr>
           <a:xfrm flipH="1">
-            <a:off x="5639970" y="2472991"/>
-            <a:ext cx="489284" cy="205874"/>
+            <a:off x="5163720" y="2472991"/>
+            <a:ext cx="965534" cy="310649"/>
           </a:xfrm>
           <a:prstGeom prst="straightConnector1">
             <a:avLst/>
@@ -23072,7 +23072,7 @@
         <p:spPr>
           <a:xfrm>
             <a:off x="6142622" y="2472991"/>
-            <a:ext cx="2050715" cy="245979"/>
+            <a:ext cx="1993565" cy="312654"/>
           </a:xfrm>
           <a:prstGeom prst="straightConnector1">
             <a:avLst/>
@@ -23112,8 +23112,8 @@
         </p:nvCxnSpPr>
         <p:spPr>
           <a:xfrm>
-            <a:off x="6129254" y="2472992"/>
-            <a:ext cx="352926" cy="205874"/>
+            <a:off x="6138779" y="2492042"/>
+            <a:ext cx="67176" cy="224924"/>
           </a:xfrm>
           <a:prstGeom prst="straightConnector1">
             <a:avLst/>
@@ -23139,10 +23139,10 @@
       </p:cxnSp>
       <p:pic>
         <p:nvPicPr>
-          <p:cNvPr id="4" name="Imagem 3" descr="Uma imagem com preto, escuridão&#10;&#10;Descrição gerada automaticamente">
+          <p:cNvPr id="5" name="Imagem 4" descr="Uma imagem com preto, escuridão&#10;&#10;Descrição gerada automaticamente">
             <a:extLst>
               <a:ext uri="{FF2B5EF4-FFF2-40B4-BE49-F238E27FC236}">
-                <a16:creationId xmlns:a16="http://schemas.microsoft.com/office/drawing/2014/main" id="{9215E25F-2271-D71C-5497-B4F7E1E36E79}"/>
+                <a16:creationId xmlns:a16="http://schemas.microsoft.com/office/drawing/2014/main" id="{74C559B1-FFBD-2866-86EA-389967E9A7D2}"/>
               </a:ext>
             </a:extLst>
           </p:cNvPr>
@@ -23159,8 +23159,8 @@
         </p:blipFill>
         <p:spPr>
           <a:xfrm>
-            <a:off x="2994526" y="2732111"/>
-            <a:ext cx="6096000" cy="498095"/>
+            <a:off x="2897917" y="2790588"/>
+            <a:ext cx="6096000" cy="425752"/>
           </a:xfrm>
           <a:prstGeom prst="rect">
             <a:avLst/>
@@ -23377,8 +23377,8 @@
         </p:nvCxnSpPr>
         <p:spPr>
           <a:xfrm flipH="1">
-            <a:off x="5639970" y="1751096"/>
-            <a:ext cx="489284" cy="205874"/>
+            <a:off x="5125620" y="1751096"/>
+            <a:ext cx="1003634" cy="348749"/>
           </a:xfrm>
           <a:prstGeom prst="straightConnector1">
             <a:avLst/>
@@ -23418,8 +23418,8 @@
         </p:nvCxnSpPr>
         <p:spPr>
           <a:xfrm>
-            <a:off x="6142622" y="1751096"/>
-            <a:ext cx="2050715" cy="245979"/>
+            <a:off x="6152147" y="1760621"/>
+            <a:ext cx="1898315" cy="360279"/>
           </a:xfrm>
           <a:prstGeom prst="straightConnector1">
             <a:avLst/>
@@ -23459,8 +23459,8 @@
         </p:nvCxnSpPr>
         <p:spPr>
           <a:xfrm>
-            <a:off x="6129254" y="1751097"/>
-            <a:ext cx="352926" cy="205874"/>
+            <a:off x="6138779" y="1770147"/>
+            <a:ext cx="76701" cy="272549"/>
           </a:xfrm>
           <a:prstGeom prst="straightConnector1">
             <a:avLst/>
@@ -23486,10 +23486,10 @@
       </p:cxnSp>
       <p:pic>
         <p:nvPicPr>
-          <p:cNvPr id="3" name="Imagem 2" descr="Uma imagem com preto, escuridão&#10;&#10;Descrição gerada automaticamente">
+          <p:cNvPr id="5" name="Imagem 4" descr="Uma imagem com preto, escuridão&#10;&#10;Descrição gerada automaticamente">
             <a:extLst>
               <a:ext uri="{FF2B5EF4-FFF2-40B4-BE49-F238E27FC236}">
-                <a16:creationId xmlns:a16="http://schemas.microsoft.com/office/drawing/2014/main" id="{1C4F155A-9052-812A-7CBF-1A7DE00AB7AA}"/>
+                <a16:creationId xmlns:a16="http://schemas.microsoft.com/office/drawing/2014/main" id="{11A4E888-1A14-E4C1-4114-030DA3029B3E}"/>
               </a:ext>
             </a:extLst>
           </p:cNvPr>
@@ -23506,8 +23506,8 @@
         </p:blipFill>
         <p:spPr>
           <a:xfrm>
-            <a:off x="2994526" y="2063690"/>
-            <a:ext cx="6096000" cy="498095"/>
+            <a:off x="2866510" y="2133878"/>
+            <a:ext cx="6096000" cy="425752"/>
           </a:xfrm>
           <a:prstGeom prst="rect">
             <a:avLst/>
